--- a/materials/slides/ch06.pptx
+++ b/materials/slides/ch06.pptx
@@ -55,24 +55,20 @@
   <p:notesSz cx="6858000" cy="9144000"/>
   <p:embeddedFontLst>
     <p:embeddedFont>
-      <p:font typeface="华文行楷" panose="02010800040101010101" pitchFamily="2" charset="-122"/>
+      <p:font typeface="Calibri" panose="020F0502020204030204" pitchFamily="34" charset="0"/>
       <p:regular r:id="rId45"/>
+      <p:bold r:id="rId46"/>
+      <p:italic r:id="rId47"/>
+      <p:boldItalic r:id="rId48"/>
+    </p:embeddedFont>
+    <p:embeddedFont>
+      <p:font typeface="黑体" panose="02010609060101010101" pitchFamily="49" charset="-122"/>
+      <p:regular r:id="rId49"/>
     </p:embeddedFont>
     <p:embeddedFont>
       <p:font typeface="微软雅黑" panose="020B0503020204020204" pitchFamily="34" charset="-122"/>
-      <p:regular r:id="rId46"/>
-      <p:bold r:id="rId47"/>
-    </p:embeddedFont>
-    <p:embeddedFont>
-      <p:font typeface="Calibri" panose="020F0502020204030204" pitchFamily="34" charset="0"/>
-      <p:regular r:id="rId48"/>
-      <p:bold r:id="rId49"/>
-      <p:italic r:id="rId50"/>
-      <p:boldItalic r:id="rId51"/>
-    </p:embeddedFont>
-    <p:embeddedFont>
-      <p:font typeface="黑体" panose="02010609060101010101" pitchFamily="49" charset="-122"/>
-      <p:regular r:id="rId52"/>
+      <p:regular r:id="rId50"/>
+      <p:bold r:id="rId51"/>
     </p:embeddedFont>
   </p:embeddedFontLst>
   <p:defaultTextStyle>
@@ -217,10 +213,6 @@
     </p:ext>
   </p:extLst>
 </p:presentation>
-</file>
-
-<file path=ppt/revisionInfo.xml><?xml version="1.0" encoding="utf-8"?>
-<p1510:revInfo xmlns:a="http://schemas.openxmlformats.org/drawingml/2006/main" xmlns:r="http://schemas.openxmlformats.org/officeDocument/2006/relationships" xmlns:p1510="http://schemas.microsoft.com/office/powerpoint/2015/10/main"/>
 </file>
 
 <file path=ppt/diagrams/colors1.xml><?xml version="1.0" encoding="utf-8"?>
@@ -2666,7 +2658,7 @@
               <a:pPr>
                 <a:defRPr/>
               </a:pPr>
-              <a:t>2018/2/5</a:t>
+              <a:t>2019/7/16</a:t>
             </a:fld>
             <a:endParaRPr lang="zh-CN" altLang="en-US"/>
           </a:p>
@@ -9050,7 +9042,7 @@
           <a:graphicData uri="http://schemas.openxmlformats.org/presentationml/2006/ole">
             <mc:AlternateContent xmlns:mc="http://schemas.openxmlformats.org/markup-compatibility/2006">
               <mc:Choice xmlns:v="urn:schemas-microsoft-com:vml" Requires="v">
-                <p:oleObj spid="_x0000_s85021" r:id="rId4" imgW="7222617" imgH="1138809" progId="">
+                <p:oleObj spid="_x0000_s85022" r:id="rId4" imgW="7222617" imgH="1138809" progId="">
                   <p:embed/>
                 </p:oleObj>
               </mc:Choice>
@@ -9503,7 +9495,7 @@
               <a:pPr>
                 <a:defRPr/>
               </a:pPr>
-              <a:t>2018/2/5</a:t>
+              <a:t>2019/7/16</a:t>
             </a:fld>
             <a:endParaRPr lang="zh-CN" altLang="en-US"/>
           </a:p>
@@ -9708,7 +9700,7 @@
               <a:pPr>
                 <a:defRPr/>
               </a:pPr>
-              <a:t>2018/2/5</a:t>
+              <a:t>2019/7/16</a:t>
             </a:fld>
             <a:endParaRPr lang="zh-CN" altLang="en-US"/>
           </a:p>
@@ -9873,7 +9865,7 @@
           <a:graphicData uri="http://schemas.openxmlformats.org/presentationml/2006/ole">
             <mc:AlternateContent xmlns:mc="http://schemas.openxmlformats.org/markup-compatibility/2006">
               <mc:Choice xmlns:v="urn:schemas-microsoft-com:vml" Requires="v">
-                <p:oleObj spid="_x0000_s90141" r:id="rId4" imgW="7222617" imgH="1138809" progId="">
+                <p:oleObj spid="_x0000_s90142" r:id="rId4" imgW="7222617" imgH="1138809" progId="">
                   <p:embed/>
                 </p:oleObj>
               </mc:Choice>
@@ -10423,7 +10415,7 @@
           <a:graphicData uri="http://schemas.openxmlformats.org/presentationml/2006/ole">
             <mc:AlternateContent xmlns:mc="http://schemas.openxmlformats.org/markup-compatibility/2006">
               <mc:Choice xmlns:v="urn:schemas-microsoft-com:vml" Requires="v">
-                <p:oleObj spid="_x0000_s86045" r:id="rId4" imgW="7222617" imgH="1138809" progId="">
+                <p:oleObj spid="_x0000_s86046" r:id="rId4" imgW="7222617" imgH="1138809" progId="">
                   <p:embed/>
                 </p:oleObj>
               </mc:Choice>
@@ -10962,7 +10954,7 @@
           <a:graphicData uri="http://schemas.openxmlformats.org/presentationml/2006/ole">
             <mc:AlternateContent xmlns:mc="http://schemas.openxmlformats.org/markup-compatibility/2006">
               <mc:Choice xmlns:v="urn:schemas-microsoft-com:vml" Requires="v">
-                <p:oleObj spid="_x0000_s87069" r:id="rId4" imgW="7222617" imgH="1138809" progId="">
+                <p:oleObj spid="_x0000_s87070" r:id="rId4" imgW="7222617" imgH="1138809" progId="">
                   <p:embed/>
                 </p:oleObj>
               </mc:Choice>
@@ -11485,7 +11477,7 @@
           <a:graphicData uri="http://schemas.openxmlformats.org/presentationml/2006/ole">
             <mc:AlternateContent xmlns:mc="http://schemas.openxmlformats.org/markup-compatibility/2006">
               <mc:Choice xmlns:v="urn:schemas-microsoft-com:vml" Requires="v">
-                <p:oleObj spid="_x0000_s88093" r:id="rId4" imgW="7222617" imgH="1138809" progId="">
+                <p:oleObj spid="_x0000_s88094" r:id="rId4" imgW="7222617" imgH="1138809" progId="">
                   <p:embed/>
                 </p:oleObj>
               </mc:Choice>
@@ -12022,7 +12014,7 @@
               <a:pPr>
                 <a:defRPr/>
               </a:pPr>
-              <a:t>2018/2/5</a:t>
+              <a:t>2019/7/16</a:t>
             </a:fld>
             <a:endParaRPr lang="zh-CN" altLang="en-US"/>
           </a:p>
@@ -12468,7 +12460,7 @@
               <a:pPr>
                 <a:defRPr/>
               </a:pPr>
-              <a:t>2018/2/5</a:t>
+              <a:t>2019/7/16</a:t>
             </a:fld>
             <a:endParaRPr lang="zh-CN" altLang="en-US"/>
           </a:p>
@@ -12633,7 +12625,7 @@
           <a:graphicData uri="http://schemas.openxmlformats.org/presentationml/2006/ole">
             <mc:AlternateContent xmlns:mc="http://schemas.openxmlformats.org/markup-compatibility/2006">
               <mc:Choice xmlns:v="urn:schemas-microsoft-com:vml" Requires="v">
-                <p:oleObj spid="_x0000_s89117" r:id="rId4" imgW="7222617" imgH="1138809" progId="">
+                <p:oleObj spid="_x0000_s89118" r:id="rId4" imgW="7222617" imgH="1138809" progId="">
                   <p:embed/>
                 </p:oleObj>
               </mc:Choice>
@@ -13002,7 +12994,7 @@
               <a:pPr>
                 <a:defRPr/>
               </a:pPr>
-              <a:t>2018/2/5</a:t>
+              <a:t>2019/7/16</a:t>
             </a:fld>
             <a:endParaRPr lang="zh-CN" altLang="en-US"/>
           </a:p>
@@ -13124,7 +13116,7 @@
               <a:pPr>
                 <a:defRPr/>
               </a:pPr>
-              <a:t>2018/2/5</a:t>
+              <a:t>2019/7/16</a:t>
             </a:fld>
             <a:endParaRPr lang="zh-CN" altLang="en-US"/>
           </a:p>
@@ -13426,7 +13418,7 @@
               <a:pPr>
                 <a:defRPr/>
               </a:pPr>
-              <a:t>2018/2/5</a:t>
+              <a:t>2019/7/16</a:t>
             </a:fld>
             <a:endParaRPr lang="zh-CN" altLang="en-US"/>
           </a:p>
@@ -13708,7 +13700,7 @@
               <a:pPr>
                 <a:defRPr/>
               </a:pPr>
-              <a:t>2018/2/5</a:t>
+              <a:t>2019/7/16</a:t>
             </a:fld>
             <a:endParaRPr lang="zh-CN" altLang="en-US"/>
           </a:p>
@@ -14055,7 +14047,7 @@
               <a:pPr>
                 <a:defRPr/>
               </a:pPr>
-              <a:t>2018/2/5</a:t>
+              <a:t>2019/7/16</a:t>
             </a:fld>
             <a:endParaRPr lang="zh-CN" altLang="en-US"/>
           </a:p>
@@ -14175,7 +14167,7 @@
           <a:graphicData uri="http://schemas.openxmlformats.org/presentationml/2006/ole">
             <mc:AlternateContent xmlns:mc="http://schemas.openxmlformats.org/markup-compatibility/2006">
               <mc:Choice xmlns:v="urn:schemas-microsoft-com:vml" Requires="v">
-                <p:oleObj spid="_x0000_s1061" r:id="rId16" imgW="7222617" imgH="1138809" progId="">
+                <p:oleObj spid="_x0000_s1062" r:id="rId16" imgW="7222617" imgH="1138809" progId="">
                   <p:embed/>
                 </p:oleObj>
               </mc:Choice>
@@ -38090,8 +38082,13 @@
             </a:pPr>
             <a:r>
               <a:rPr lang="zh-CN" altLang="en-US" dirty="0"/>
-              <a:t>用户可以挑选汽车的型号，加任意的组件</a:t>
-            </a:r>
+              <a:t>用户可以挑选汽车的型号，加任意</a:t>
+            </a:r>
+            <a:r>
+              <a:rPr lang="zh-CN" altLang="en-US"/>
+              <a:t>的组件 </a:t>
+            </a:r>
+            <a:endParaRPr lang="zh-CN" altLang="en-US" dirty="0"/>
           </a:p>
         </p:txBody>
       </p:sp>
